--- a/microservices.pptx
+++ b/microservices.pptx
@@ -9,6 +9,10 @@
     <p:sldId id="257" r:id="rId3"/>
     <p:sldId id="258" r:id="rId4"/>
     <p:sldId id="259" r:id="rId5"/>
+    <p:sldId id="261" r:id="rId6"/>
+    <p:sldId id="260" r:id="rId7"/>
+    <p:sldId id="262" r:id="rId8"/>
+    <p:sldId id="263" r:id="rId9"/>
   </p:sldIdLst>
   <p:sldSz cx="12192000" cy="6858000"/>
   <p:notesSz cx="6858000" cy="9144000"/>
@@ -4322,16 +4326,40 @@
           <a:lstStyle/>
           <a:p>
             <a:r>
-              <a:rPr lang="en-US" dirty="0" err="1"/>
+              <a:rPr lang="en-US" dirty="0" err="1">
+                <a:highlight>
+                  <a:srgbClr val="FFFF00"/>
+                </a:highlight>
+              </a:rPr>
               <a:t>createEmployee</a:t>
             </a:r>
-            <a:endParaRPr lang="en-US" dirty="0"/>
+            <a:endParaRPr lang="en-US" dirty="0">
+              <a:highlight>
+                <a:srgbClr val="FFFF00"/>
+              </a:highlight>
+            </a:endParaRPr>
           </a:p>
           <a:p>
             <a:r>
               <a:rPr lang="en-US" dirty="0" err="1"/>
               <a:t>deleteEmployee</a:t>
             </a:r>
+            <a:r>
+              <a:rPr lang="en-US" dirty="0"/>
+              <a:t> </a:t>
+            </a:r>
+            <a:r>
+              <a:rPr lang="en-US" dirty="0">
+                <a:sym typeface="Wingdings" panose="05000000000000000000" pitchFamily="2" charset="2"/>
+              </a:rPr>
+              <a:t> @</a:t>
+            </a:r>
+            <a:r>
+              <a:rPr lang="en-US" dirty="0" err="1">
+                <a:sym typeface="Wingdings" panose="05000000000000000000" pitchFamily="2" charset="2"/>
+              </a:rPr>
+              <a:t>DeleteMapping</a:t>
+            </a:r>
             <a:endParaRPr lang="en-US" dirty="0"/>
           </a:p>
           <a:p>
@@ -4339,6 +4367,22 @@
               <a:rPr lang="en-US" dirty="0" err="1"/>
               <a:t>findEmployee</a:t>
             </a:r>
+            <a:r>
+              <a:rPr lang="en-US" dirty="0"/>
+              <a:t> </a:t>
+            </a:r>
+            <a:r>
+              <a:rPr lang="en-US" dirty="0">
+                <a:sym typeface="Wingdings" panose="05000000000000000000" pitchFamily="2" charset="2"/>
+              </a:rPr>
+              <a:t> @</a:t>
+            </a:r>
+            <a:r>
+              <a:rPr lang="en-US" dirty="0" err="1">
+                <a:sym typeface="Wingdings" panose="05000000000000000000" pitchFamily="2" charset="2"/>
+              </a:rPr>
+              <a:t>getmapping</a:t>
+            </a:r>
             <a:endParaRPr lang="en-US" dirty="0"/>
           </a:p>
           <a:p>
@@ -4346,14 +4390,55 @@
               <a:rPr lang="en-US" dirty="0" err="1"/>
               <a:t>updateEmployee</a:t>
             </a:r>
+            <a:r>
+              <a:rPr lang="en-US" dirty="0"/>
+              <a:t> </a:t>
+            </a:r>
+            <a:r>
+              <a:rPr lang="en-US" dirty="0">
+                <a:sym typeface="Wingdings" panose="05000000000000000000" pitchFamily="2" charset="2"/>
+              </a:rPr>
+              <a:t> @</a:t>
+            </a:r>
+            <a:r>
+              <a:rPr lang="en-US" dirty="0" err="1">
+                <a:sym typeface="Wingdings" panose="05000000000000000000" pitchFamily="2" charset="2"/>
+              </a:rPr>
+              <a:t>putMapping</a:t>
+            </a:r>
+            <a:endParaRPr lang="en-US" dirty="0">
+              <a:sym typeface="Wingdings" panose="05000000000000000000" pitchFamily="2" charset="2"/>
+            </a:endParaRPr>
+          </a:p>
+          <a:p>
+            <a:r>
+              <a:rPr lang="en-US" dirty="0">
+                <a:sym typeface="Wingdings" panose="05000000000000000000" pitchFamily="2" charset="2"/>
+              </a:rPr>
+              <a:t>Partial update  @</a:t>
+            </a:r>
+            <a:r>
+              <a:rPr lang="en-US" dirty="0" err="1">
+                <a:sym typeface="Wingdings" panose="05000000000000000000" pitchFamily="2" charset="2"/>
+              </a:rPr>
+              <a:t>PatchMapping</a:t>
+            </a:r>
             <a:endParaRPr lang="en-US" dirty="0"/>
           </a:p>
           <a:p>
             <a:r>
-              <a:rPr lang="en-US" dirty="0" err="1"/>
+              <a:rPr lang="en-US" dirty="0" err="1">
+                <a:highlight>
+                  <a:srgbClr val="FFFF00"/>
+                </a:highlight>
+              </a:rPr>
               <a:t>findAllEmployee</a:t>
             </a:r>
-            <a:endParaRPr lang="en-US" dirty="0"/>
+            <a:endParaRPr lang="en-US" dirty="0">
+              <a:highlight>
+                <a:srgbClr val="FFFF00"/>
+              </a:highlight>
+            </a:endParaRPr>
           </a:p>
         </p:txBody>
       </p:sp>
@@ -4361,6 +4446,911 @@
     <p:extLst>
       <p:ext uri="{BB962C8B-B14F-4D97-AF65-F5344CB8AC3E}">
         <p14:creationId xmlns:p14="http://schemas.microsoft.com/office/powerpoint/2010/main" val="3376942694"/>
+      </p:ext>
+    </p:extLst>
+  </p:cSld>
+  <p:clrMapOvr>
+    <a:masterClrMapping/>
+  </p:clrMapOvr>
+</p:sld>
+</file>
+
+<file path=ppt/slides/slide5.xml><?xml version="1.0" encoding="utf-8"?>
+<p:sld xmlns:a="http://schemas.openxmlformats.org/drawingml/2006/main" xmlns:r="http://schemas.openxmlformats.org/officeDocument/2006/relationships" xmlns:p="http://schemas.openxmlformats.org/presentationml/2006/main">
+  <p:cSld>
+    <p:spTree>
+      <p:nvGrpSpPr>
+        <p:cNvPr id="1" name=""/>
+        <p:cNvGrpSpPr/>
+        <p:nvPr/>
+      </p:nvGrpSpPr>
+      <p:grpSpPr>
+        <a:xfrm>
+          <a:off x="0" y="0"/>
+          <a:ext cx="0" cy="0"/>
+          <a:chOff x="0" y="0"/>
+          <a:chExt cx="0" cy="0"/>
+        </a:xfrm>
+      </p:grpSpPr>
+      <p:sp>
+        <p:nvSpPr>
+          <p:cNvPr id="2" name="Title 1">
+            <a:extLst>
+              <a:ext uri="{FF2B5EF4-FFF2-40B4-BE49-F238E27FC236}">
+                <a16:creationId xmlns:a16="http://schemas.microsoft.com/office/drawing/2014/main" id="{1AABA5E2-E00C-4B82-B8C7-5E0FD77F0F3B}"/>
+              </a:ext>
+            </a:extLst>
+          </p:cNvPr>
+          <p:cNvSpPr>
+            <a:spLocks noGrp="1"/>
+          </p:cNvSpPr>
+          <p:nvPr>
+            <p:ph type="title"/>
+          </p:nvPr>
+        </p:nvSpPr>
+        <p:spPr/>
+        <p:txBody>
+          <a:bodyPr/>
+          <a:lstStyle/>
+          <a:p>
+            <a:r>
+              <a:rPr lang="en-US" dirty="0"/>
+              <a:t>REST VS SOAP</a:t>
+            </a:r>
+          </a:p>
+        </p:txBody>
+      </p:sp>
+      <p:sp>
+        <p:nvSpPr>
+          <p:cNvPr id="3" name="Content Placeholder 2">
+            <a:extLst>
+              <a:ext uri="{FF2B5EF4-FFF2-40B4-BE49-F238E27FC236}">
+                <a16:creationId xmlns:a16="http://schemas.microsoft.com/office/drawing/2014/main" id="{2284B757-2360-4E63-A82E-55809D9CBC36}"/>
+              </a:ext>
+            </a:extLst>
+          </p:cNvPr>
+          <p:cNvSpPr>
+            <a:spLocks noGrp="1"/>
+          </p:cNvSpPr>
+          <p:nvPr>
+            <p:ph idx="1"/>
+          </p:nvPr>
+        </p:nvSpPr>
+        <p:spPr>
+          <a:xfrm>
+            <a:off x="838200" y="1825625"/>
+            <a:ext cx="3765331" cy="4351338"/>
+          </a:xfrm>
+        </p:spPr>
+        <p:txBody>
+          <a:bodyPr/>
+          <a:lstStyle/>
+          <a:p>
+            <a:r>
+              <a:rPr lang="en-US" dirty="0"/>
+              <a:t>REST </a:t>
+            </a:r>
+            <a:r>
+              <a:rPr lang="en-US" dirty="0">
+                <a:sym typeface="Wingdings" panose="05000000000000000000" pitchFamily="2" charset="2"/>
+              </a:rPr>
+              <a:t> HTTP</a:t>
+            </a:r>
+          </a:p>
+          <a:p>
+            <a:pPr lvl="1"/>
+            <a:r>
+              <a:rPr lang="en-US" dirty="0">
+                <a:sym typeface="Wingdings" panose="05000000000000000000" pitchFamily="2" charset="2"/>
+              </a:rPr>
+              <a:t>Get, post, put….</a:t>
+            </a:r>
+          </a:p>
+          <a:p>
+            <a:r>
+              <a:rPr lang="en-US" dirty="0">
+                <a:sym typeface="Wingdings" panose="05000000000000000000" pitchFamily="2" charset="2"/>
+              </a:rPr>
+              <a:t>URI communication</a:t>
+            </a:r>
+          </a:p>
+          <a:p>
+            <a:r>
+              <a:rPr lang="en-US" dirty="0">
+                <a:sym typeface="Wingdings" panose="05000000000000000000" pitchFamily="2" charset="2"/>
+              </a:rPr>
+              <a:t>JSON, XML, HTML, text…</a:t>
+            </a:r>
+          </a:p>
+          <a:p>
+            <a:r>
+              <a:rPr lang="en-US" dirty="0">
+                <a:sym typeface="Wingdings" panose="05000000000000000000" pitchFamily="2" charset="2"/>
+              </a:rPr>
+              <a:t>Easy</a:t>
+            </a:r>
+          </a:p>
+          <a:p>
+            <a:r>
+              <a:rPr lang="en-US" dirty="0" err="1">
+                <a:sym typeface="Wingdings" panose="05000000000000000000" pitchFamily="2" charset="2"/>
+              </a:rPr>
+              <a:t>HTTp</a:t>
+            </a:r>
+            <a:r>
+              <a:rPr lang="en-US" dirty="0">
+                <a:sym typeface="Wingdings" panose="05000000000000000000" pitchFamily="2" charset="2"/>
+              </a:rPr>
+              <a:t> status code</a:t>
+            </a:r>
+            <a:endParaRPr lang="en-US" dirty="0"/>
+          </a:p>
+        </p:txBody>
+      </p:sp>
+      <p:sp>
+        <p:nvSpPr>
+          <p:cNvPr id="4" name="Content Placeholder 2">
+            <a:extLst>
+              <a:ext uri="{FF2B5EF4-FFF2-40B4-BE49-F238E27FC236}">
+                <a16:creationId xmlns:a16="http://schemas.microsoft.com/office/drawing/2014/main" id="{2455C60F-E142-4203-A3D7-02B8EDD0D1EF}"/>
+              </a:ext>
+            </a:extLst>
+          </p:cNvPr>
+          <p:cNvSpPr txBox="1">
+            <a:spLocks/>
+          </p:cNvSpPr>
+          <p:nvPr/>
+        </p:nvSpPr>
+        <p:spPr>
+          <a:xfrm>
+            <a:off x="6403427" y="1690688"/>
+            <a:ext cx="3765331" cy="4351338"/>
+          </a:xfrm>
+          <a:prstGeom prst="rect">
+            <a:avLst/>
+          </a:prstGeom>
+        </p:spPr>
+        <p:txBody>
+          <a:bodyPr vert="horz" lIns="91440" tIns="45720" rIns="91440" bIns="45720" rtlCol="0">
+            <a:normAutofit/>
+          </a:bodyPr>
+          <a:lstStyle>
+            <a:lvl1pPr marL="228600" indent="-228600" algn="l" defTabSz="914400" rtl="0" eaLnBrk="1" latinLnBrk="0" hangingPunct="1">
+              <a:lnSpc>
+                <a:spcPct val="90000"/>
+              </a:lnSpc>
+              <a:spcBef>
+                <a:spcPts val="1000"/>
+              </a:spcBef>
+              <a:buFont typeface="Arial" panose="020B0604020202020204" pitchFamily="34" charset="0"/>
+              <a:buChar char="•"/>
+              <a:defRPr sz="2800" kern="1200">
+                <a:solidFill>
+                  <a:schemeClr val="tx1"/>
+                </a:solidFill>
+                <a:latin typeface="+mn-lt"/>
+                <a:ea typeface="+mn-ea"/>
+                <a:cs typeface="+mn-cs"/>
+              </a:defRPr>
+            </a:lvl1pPr>
+            <a:lvl2pPr marL="685800" indent="-228600" algn="l" defTabSz="914400" rtl="0" eaLnBrk="1" latinLnBrk="0" hangingPunct="1">
+              <a:lnSpc>
+                <a:spcPct val="90000"/>
+              </a:lnSpc>
+              <a:spcBef>
+                <a:spcPts val="500"/>
+              </a:spcBef>
+              <a:buFont typeface="Arial" panose="020B0604020202020204" pitchFamily="34" charset="0"/>
+              <a:buChar char="•"/>
+              <a:defRPr sz="2400" kern="1200">
+                <a:solidFill>
+                  <a:schemeClr val="tx1"/>
+                </a:solidFill>
+                <a:latin typeface="+mn-lt"/>
+                <a:ea typeface="+mn-ea"/>
+                <a:cs typeface="+mn-cs"/>
+              </a:defRPr>
+            </a:lvl2pPr>
+            <a:lvl3pPr marL="1143000" indent="-228600" algn="l" defTabSz="914400" rtl="0" eaLnBrk="1" latinLnBrk="0" hangingPunct="1">
+              <a:lnSpc>
+                <a:spcPct val="90000"/>
+              </a:lnSpc>
+              <a:spcBef>
+                <a:spcPts val="500"/>
+              </a:spcBef>
+              <a:buFont typeface="Arial" panose="020B0604020202020204" pitchFamily="34" charset="0"/>
+              <a:buChar char="•"/>
+              <a:defRPr sz="2000" kern="1200">
+                <a:solidFill>
+                  <a:schemeClr val="tx1"/>
+                </a:solidFill>
+                <a:latin typeface="+mn-lt"/>
+                <a:ea typeface="+mn-ea"/>
+                <a:cs typeface="+mn-cs"/>
+              </a:defRPr>
+            </a:lvl3pPr>
+            <a:lvl4pPr marL="1600200" indent="-228600" algn="l" defTabSz="914400" rtl="0" eaLnBrk="1" latinLnBrk="0" hangingPunct="1">
+              <a:lnSpc>
+                <a:spcPct val="90000"/>
+              </a:lnSpc>
+              <a:spcBef>
+                <a:spcPts val="500"/>
+              </a:spcBef>
+              <a:buFont typeface="Arial" panose="020B0604020202020204" pitchFamily="34" charset="0"/>
+              <a:buChar char="•"/>
+              <a:defRPr sz="1800" kern="1200">
+                <a:solidFill>
+                  <a:schemeClr val="tx1"/>
+                </a:solidFill>
+                <a:latin typeface="+mn-lt"/>
+                <a:ea typeface="+mn-ea"/>
+                <a:cs typeface="+mn-cs"/>
+              </a:defRPr>
+            </a:lvl4pPr>
+            <a:lvl5pPr marL="2057400" indent="-228600" algn="l" defTabSz="914400" rtl="0" eaLnBrk="1" latinLnBrk="0" hangingPunct="1">
+              <a:lnSpc>
+                <a:spcPct val="90000"/>
+              </a:lnSpc>
+              <a:spcBef>
+                <a:spcPts val="500"/>
+              </a:spcBef>
+              <a:buFont typeface="Arial" panose="020B0604020202020204" pitchFamily="34" charset="0"/>
+              <a:buChar char="•"/>
+              <a:defRPr sz="1800" kern="1200">
+                <a:solidFill>
+                  <a:schemeClr val="tx1"/>
+                </a:solidFill>
+                <a:latin typeface="+mn-lt"/>
+                <a:ea typeface="+mn-ea"/>
+                <a:cs typeface="+mn-cs"/>
+              </a:defRPr>
+            </a:lvl5pPr>
+            <a:lvl6pPr marL="2514600" indent="-228600" algn="l" defTabSz="914400" rtl="0" eaLnBrk="1" latinLnBrk="0" hangingPunct="1">
+              <a:lnSpc>
+                <a:spcPct val="90000"/>
+              </a:lnSpc>
+              <a:spcBef>
+                <a:spcPts val="500"/>
+              </a:spcBef>
+              <a:buFont typeface="Arial" panose="020B0604020202020204" pitchFamily="34" charset="0"/>
+              <a:buChar char="•"/>
+              <a:defRPr sz="1800" kern="1200">
+                <a:solidFill>
+                  <a:schemeClr val="tx1"/>
+                </a:solidFill>
+                <a:latin typeface="+mn-lt"/>
+                <a:ea typeface="+mn-ea"/>
+                <a:cs typeface="+mn-cs"/>
+              </a:defRPr>
+            </a:lvl6pPr>
+            <a:lvl7pPr marL="2971800" indent="-228600" algn="l" defTabSz="914400" rtl="0" eaLnBrk="1" latinLnBrk="0" hangingPunct="1">
+              <a:lnSpc>
+                <a:spcPct val="90000"/>
+              </a:lnSpc>
+              <a:spcBef>
+                <a:spcPts val="500"/>
+              </a:spcBef>
+              <a:buFont typeface="Arial" panose="020B0604020202020204" pitchFamily="34" charset="0"/>
+              <a:buChar char="•"/>
+              <a:defRPr sz="1800" kern="1200">
+                <a:solidFill>
+                  <a:schemeClr val="tx1"/>
+                </a:solidFill>
+                <a:latin typeface="+mn-lt"/>
+                <a:ea typeface="+mn-ea"/>
+                <a:cs typeface="+mn-cs"/>
+              </a:defRPr>
+            </a:lvl7pPr>
+            <a:lvl8pPr marL="3429000" indent="-228600" algn="l" defTabSz="914400" rtl="0" eaLnBrk="1" latinLnBrk="0" hangingPunct="1">
+              <a:lnSpc>
+                <a:spcPct val="90000"/>
+              </a:lnSpc>
+              <a:spcBef>
+                <a:spcPts val="500"/>
+              </a:spcBef>
+              <a:buFont typeface="Arial" panose="020B0604020202020204" pitchFamily="34" charset="0"/>
+              <a:buChar char="•"/>
+              <a:defRPr sz="1800" kern="1200">
+                <a:solidFill>
+                  <a:schemeClr val="tx1"/>
+                </a:solidFill>
+                <a:latin typeface="+mn-lt"/>
+                <a:ea typeface="+mn-ea"/>
+                <a:cs typeface="+mn-cs"/>
+              </a:defRPr>
+            </a:lvl8pPr>
+            <a:lvl9pPr marL="3886200" indent="-228600" algn="l" defTabSz="914400" rtl="0" eaLnBrk="1" latinLnBrk="0" hangingPunct="1">
+              <a:lnSpc>
+                <a:spcPct val="90000"/>
+              </a:lnSpc>
+              <a:spcBef>
+                <a:spcPts val="500"/>
+              </a:spcBef>
+              <a:buFont typeface="Arial" panose="020B0604020202020204" pitchFamily="34" charset="0"/>
+              <a:buChar char="•"/>
+              <a:defRPr sz="1800" kern="1200">
+                <a:solidFill>
+                  <a:schemeClr val="tx1"/>
+                </a:solidFill>
+                <a:latin typeface="+mn-lt"/>
+                <a:ea typeface="+mn-ea"/>
+                <a:cs typeface="+mn-cs"/>
+              </a:defRPr>
+            </a:lvl9pPr>
+          </a:lstStyle>
+          <a:p>
+            <a:r>
+              <a:rPr lang="en-US" dirty="0"/>
+              <a:t>SOAP</a:t>
+            </a:r>
+            <a:endParaRPr lang="en-US" dirty="0">
+              <a:sym typeface="Wingdings" panose="05000000000000000000" pitchFamily="2" charset="2"/>
+            </a:endParaRPr>
+          </a:p>
+          <a:p>
+            <a:pPr lvl="1"/>
+            <a:r>
+              <a:rPr lang="en-US" dirty="0">
+                <a:sym typeface="Wingdings" panose="05000000000000000000" pitchFamily="2" charset="2"/>
+              </a:rPr>
+              <a:t>WSDL  xml format</a:t>
+            </a:r>
+          </a:p>
+          <a:p>
+            <a:pPr lvl="1"/>
+            <a:endParaRPr lang="en-US" dirty="0">
+              <a:sym typeface="Wingdings" panose="05000000000000000000" pitchFamily="2" charset="2"/>
+            </a:endParaRPr>
+          </a:p>
+          <a:p>
+            <a:r>
+              <a:rPr lang="en-US" dirty="0">
+                <a:sym typeface="Wingdings" panose="05000000000000000000" pitchFamily="2" charset="2"/>
+              </a:rPr>
+              <a:t>SOAP specification</a:t>
+            </a:r>
+          </a:p>
+          <a:p>
+            <a:r>
+              <a:rPr lang="en-US" dirty="0">
+                <a:sym typeface="Wingdings" panose="05000000000000000000" pitchFamily="2" charset="2"/>
+              </a:rPr>
+              <a:t>XML</a:t>
+            </a:r>
+          </a:p>
+          <a:p>
+            <a:r>
+              <a:rPr lang="en-US" dirty="0">
+                <a:sym typeface="Wingdings" panose="05000000000000000000" pitchFamily="2" charset="2"/>
+              </a:rPr>
+              <a:t>Tough</a:t>
+            </a:r>
+          </a:p>
+          <a:p>
+            <a:endParaRPr lang="en-US" dirty="0"/>
+          </a:p>
+        </p:txBody>
+      </p:sp>
+    </p:spTree>
+    <p:extLst>
+      <p:ext uri="{BB962C8B-B14F-4D97-AF65-F5344CB8AC3E}">
+        <p14:creationId xmlns:p14="http://schemas.microsoft.com/office/powerpoint/2010/main" val="1281461048"/>
+      </p:ext>
+    </p:extLst>
+  </p:cSld>
+  <p:clrMapOvr>
+    <a:masterClrMapping/>
+  </p:clrMapOvr>
+</p:sld>
+</file>
+
+<file path=ppt/slides/slide6.xml><?xml version="1.0" encoding="utf-8"?>
+<p:sld xmlns:a="http://schemas.openxmlformats.org/drawingml/2006/main" xmlns:r="http://schemas.openxmlformats.org/officeDocument/2006/relationships" xmlns:p="http://schemas.openxmlformats.org/presentationml/2006/main">
+  <p:cSld>
+    <p:spTree>
+      <p:nvGrpSpPr>
+        <p:cNvPr id="1" name=""/>
+        <p:cNvGrpSpPr/>
+        <p:nvPr/>
+      </p:nvGrpSpPr>
+      <p:grpSpPr>
+        <a:xfrm>
+          <a:off x="0" y="0"/>
+          <a:ext cx="0" cy="0"/>
+          <a:chOff x="0" y="0"/>
+          <a:chExt cx="0" cy="0"/>
+        </a:xfrm>
+      </p:grpSpPr>
+      <p:sp>
+        <p:nvSpPr>
+          <p:cNvPr id="2" name="Title 1">
+            <a:extLst>
+              <a:ext uri="{FF2B5EF4-FFF2-40B4-BE49-F238E27FC236}">
+                <a16:creationId xmlns:a16="http://schemas.microsoft.com/office/drawing/2014/main" id="{1BFD58BB-A90E-454A-858D-BEDB9EAD25A8}"/>
+              </a:ext>
+            </a:extLst>
+          </p:cNvPr>
+          <p:cNvSpPr>
+            <a:spLocks noGrp="1"/>
+          </p:cNvSpPr>
+          <p:nvPr>
+            <p:ph type="title"/>
+          </p:nvPr>
+        </p:nvSpPr>
+        <p:spPr/>
+        <p:txBody>
+          <a:bodyPr/>
+          <a:lstStyle/>
+          <a:p>
+            <a:r>
+              <a:rPr lang="en-US" dirty="0"/>
+              <a:t>Spring REST</a:t>
+            </a:r>
+          </a:p>
+        </p:txBody>
+      </p:sp>
+      <p:sp>
+        <p:nvSpPr>
+          <p:cNvPr id="3" name="Content Placeholder 2">
+            <a:extLst>
+              <a:ext uri="{FF2B5EF4-FFF2-40B4-BE49-F238E27FC236}">
+                <a16:creationId xmlns:a16="http://schemas.microsoft.com/office/drawing/2014/main" id="{98982914-E5EA-4E50-BC4E-E1F24E1C2151}"/>
+              </a:ext>
+            </a:extLst>
+          </p:cNvPr>
+          <p:cNvSpPr>
+            <a:spLocks noGrp="1"/>
+          </p:cNvSpPr>
+          <p:nvPr>
+            <p:ph idx="1"/>
+          </p:nvPr>
+        </p:nvSpPr>
+        <p:spPr/>
+        <p:txBody>
+          <a:bodyPr>
+            <a:normAutofit fontScale="85000" lnSpcReduction="20000"/>
+          </a:bodyPr>
+          <a:lstStyle/>
+          <a:p>
+            <a:r>
+              <a:rPr lang="en-US" dirty="0"/>
+              <a:t>@</a:t>
+            </a:r>
+            <a:r>
+              <a:rPr lang="en-US" dirty="0" err="1"/>
+              <a:t>REstController</a:t>
+            </a:r>
+            <a:r>
+              <a:rPr lang="en-US" dirty="0"/>
+              <a:t> </a:t>
+            </a:r>
+            <a:r>
+              <a:rPr lang="en-US" dirty="0">
+                <a:sym typeface="Wingdings" panose="05000000000000000000" pitchFamily="2" charset="2"/>
+              </a:rPr>
+              <a:t> @Controller +@</a:t>
+            </a:r>
+            <a:r>
+              <a:rPr lang="en-US" dirty="0" err="1">
+                <a:sym typeface="Wingdings" panose="05000000000000000000" pitchFamily="2" charset="2"/>
+              </a:rPr>
+              <a:t>ResponseBody</a:t>
+            </a:r>
+            <a:endParaRPr lang="en-US" dirty="0">
+              <a:sym typeface="Wingdings" panose="05000000000000000000" pitchFamily="2" charset="2"/>
+            </a:endParaRPr>
+          </a:p>
+          <a:p>
+            <a:r>
+              <a:rPr lang="en-US" dirty="0">
+                <a:sym typeface="Wingdings" panose="05000000000000000000" pitchFamily="2" charset="2"/>
+              </a:rPr>
+              <a:t>@</a:t>
+            </a:r>
+            <a:r>
+              <a:rPr lang="en-US" dirty="0" err="1">
+                <a:sym typeface="Wingdings" panose="05000000000000000000" pitchFamily="2" charset="2"/>
+              </a:rPr>
+              <a:t>RequestMapping</a:t>
+            </a:r>
+            <a:endParaRPr lang="en-US" dirty="0">
+              <a:sym typeface="Wingdings" panose="05000000000000000000" pitchFamily="2" charset="2"/>
+            </a:endParaRPr>
+          </a:p>
+          <a:p>
+            <a:pPr lvl="1"/>
+            <a:r>
+              <a:rPr lang="en-US" dirty="0">
+                <a:sym typeface="Wingdings" panose="05000000000000000000" pitchFamily="2" charset="2"/>
+              </a:rPr>
+              <a:t>@</a:t>
+            </a:r>
+            <a:r>
+              <a:rPr lang="en-US" dirty="0" err="1">
+                <a:sym typeface="Wingdings" panose="05000000000000000000" pitchFamily="2" charset="2"/>
+              </a:rPr>
+              <a:t>GetMapping</a:t>
+            </a:r>
+            <a:r>
+              <a:rPr lang="en-US" dirty="0">
+                <a:sym typeface="Wingdings" panose="05000000000000000000" pitchFamily="2" charset="2"/>
+              </a:rPr>
+              <a:t>  get the </a:t>
+            </a:r>
+            <a:r>
+              <a:rPr lang="en-US" dirty="0" err="1">
+                <a:sym typeface="Wingdings" panose="05000000000000000000" pitchFamily="2" charset="2"/>
+              </a:rPr>
+              <a:t>rsource</a:t>
+            </a:r>
+            <a:r>
+              <a:rPr lang="en-US" dirty="0">
+                <a:sym typeface="Wingdings" panose="05000000000000000000" pitchFamily="2" charset="2"/>
+              </a:rPr>
+              <a:t> from server</a:t>
+            </a:r>
+          </a:p>
+          <a:p>
+            <a:pPr lvl="1"/>
+            <a:r>
+              <a:rPr lang="en-US" dirty="0">
+                <a:sym typeface="Wingdings" panose="05000000000000000000" pitchFamily="2" charset="2"/>
+              </a:rPr>
+              <a:t>@</a:t>
+            </a:r>
+            <a:r>
+              <a:rPr lang="en-US" dirty="0" err="1">
+                <a:sym typeface="Wingdings" panose="05000000000000000000" pitchFamily="2" charset="2"/>
+              </a:rPr>
+              <a:t>PutMapping</a:t>
+            </a:r>
+            <a:r>
+              <a:rPr lang="en-US" dirty="0">
+                <a:sym typeface="Wingdings" panose="05000000000000000000" pitchFamily="2" charset="2"/>
+              </a:rPr>
+              <a:t>  update</a:t>
+            </a:r>
+          </a:p>
+          <a:p>
+            <a:pPr lvl="1"/>
+            <a:r>
+              <a:rPr lang="en-US" dirty="0">
+                <a:sym typeface="Wingdings" panose="05000000000000000000" pitchFamily="2" charset="2"/>
+              </a:rPr>
+              <a:t>@</a:t>
+            </a:r>
+            <a:r>
+              <a:rPr lang="en-US" dirty="0" err="1">
+                <a:sym typeface="Wingdings" panose="05000000000000000000" pitchFamily="2" charset="2"/>
+              </a:rPr>
+              <a:t>PostMapping</a:t>
+            </a:r>
+            <a:r>
+              <a:rPr lang="en-US" dirty="0">
+                <a:sym typeface="Wingdings" panose="05000000000000000000" pitchFamily="2" charset="2"/>
+              </a:rPr>
+              <a:t>  create</a:t>
+            </a:r>
+          </a:p>
+          <a:p>
+            <a:pPr lvl="1"/>
+            <a:r>
+              <a:rPr lang="en-US" dirty="0">
+                <a:sym typeface="Wingdings" panose="05000000000000000000" pitchFamily="2" charset="2"/>
+              </a:rPr>
+              <a:t>@</a:t>
+            </a:r>
+            <a:r>
+              <a:rPr lang="en-US" dirty="0" err="1">
+                <a:sym typeface="Wingdings" panose="05000000000000000000" pitchFamily="2" charset="2"/>
+              </a:rPr>
+              <a:t>DeleteMapping</a:t>
+            </a:r>
+            <a:r>
+              <a:rPr lang="en-US" dirty="0">
+                <a:sym typeface="Wingdings" panose="05000000000000000000" pitchFamily="2" charset="2"/>
+              </a:rPr>
+              <a:t>  delete</a:t>
+            </a:r>
+          </a:p>
+          <a:p>
+            <a:pPr lvl="1"/>
+            <a:r>
+              <a:rPr lang="en-US" dirty="0">
+                <a:sym typeface="Wingdings" panose="05000000000000000000" pitchFamily="2" charset="2"/>
+              </a:rPr>
+              <a:t>@</a:t>
+            </a:r>
+            <a:r>
+              <a:rPr lang="en-US" dirty="0" err="1">
+                <a:sym typeface="Wingdings" panose="05000000000000000000" pitchFamily="2" charset="2"/>
+              </a:rPr>
+              <a:t>PatchMapping</a:t>
+            </a:r>
+            <a:r>
+              <a:rPr lang="en-US" dirty="0">
+                <a:sym typeface="Wingdings" panose="05000000000000000000" pitchFamily="2" charset="2"/>
+              </a:rPr>
+              <a:t>  partial update</a:t>
+            </a:r>
+          </a:p>
+          <a:p>
+            <a:r>
+              <a:rPr lang="en-US" dirty="0">
+                <a:sym typeface="Wingdings" panose="05000000000000000000" pitchFamily="2" charset="2"/>
+              </a:rPr>
+              <a:t>@</a:t>
+            </a:r>
+            <a:r>
+              <a:rPr lang="en-US" dirty="0" err="1">
+                <a:sym typeface="Wingdings" panose="05000000000000000000" pitchFamily="2" charset="2"/>
+              </a:rPr>
+              <a:t>PathVariable</a:t>
+            </a:r>
+            <a:endParaRPr lang="en-US" dirty="0">
+              <a:sym typeface="Wingdings" panose="05000000000000000000" pitchFamily="2" charset="2"/>
+            </a:endParaRPr>
+          </a:p>
+          <a:p>
+            <a:r>
+              <a:rPr lang="en-US" dirty="0">
+                <a:sym typeface="Wingdings" panose="05000000000000000000" pitchFamily="2" charset="2"/>
+              </a:rPr>
+              <a:t>@</a:t>
+            </a:r>
+            <a:r>
+              <a:rPr lang="en-US" dirty="0" err="1">
+                <a:sym typeface="Wingdings" panose="05000000000000000000" pitchFamily="2" charset="2"/>
+              </a:rPr>
+              <a:t>RequestBody</a:t>
+            </a:r>
+            <a:endParaRPr lang="en-US" dirty="0">
+              <a:sym typeface="Wingdings" panose="05000000000000000000" pitchFamily="2" charset="2"/>
+            </a:endParaRPr>
+          </a:p>
+          <a:p>
+            <a:r>
+              <a:rPr lang="en-US" dirty="0" err="1">
+                <a:sym typeface="Wingdings" panose="05000000000000000000" pitchFamily="2" charset="2"/>
+              </a:rPr>
+              <a:t>ResponseEntity</a:t>
+            </a:r>
+            <a:endParaRPr lang="en-US" dirty="0">
+              <a:sym typeface="Wingdings" panose="05000000000000000000" pitchFamily="2" charset="2"/>
+            </a:endParaRPr>
+          </a:p>
+          <a:p>
+            <a:r>
+              <a:rPr lang="en-US" dirty="0">
+                <a:sym typeface="Wingdings" panose="05000000000000000000" pitchFamily="2" charset="2"/>
+              </a:rPr>
+              <a:t>Jackson Data binding</a:t>
+            </a:r>
+          </a:p>
+          <a:p>
+            <a:pPr lvl="1"/>
+            <a:r>
+              <a:rPr lang="en-US" dirty="0">
+                <a:sym typeface="Wingdings" panose="05000000000000000000" pitchFamily="2" charset="2"/>
+              </a:rPr>
+              <a:t>Java-&gt; </a:t>
+            </a:r>
+            <a:r>
+              <a:rPr lang="en-US" dirty="0" err="1">
+                <a:sym typeface="Wingdings" panose="05000000000000000000" pitchFamily="2" charset="2"/>
+              </a:rPr>
+              <a:t>jSON</a:t>
+            </a:r>
+            <a:endParaRPr lang="en-US" dirty="0">
+              <a:sym typeface="Wingdings" panose="05000000000000000000" pitchFamily="2" charset="2"/>
+            </a:endParaRPr>
+          </a:p>
+          <a:p>
+            <a:pPr lvl="1"/>
+            <a:r>
+              <a:rPr lang="en-US" dirty="0">
+                <a:sym typeface="Wingdings" panose="05000000000000000000" pitchFamily="2" charset="2"/>
+              </a:rPr>
+              <a:t>Json - &gt; java</a:t>
+            </a:r>
+            <a:endParaRPr lang="en-US" dirty="0"/>
+          </a:p>
+        </p:txBody>
+      </p:sp>
+    </p:spTree>
+    <p:extLst>
+      <p:ext uri="{BB962C8B-B14F-4D97-AF65-F5344CB8AC3E}">
+        <p14:creationId xmlns:p14="http://schemas.microsoft.com/office/powerpoint/2010/main" val="3796472610"/>
+      </p:ext>
+    </p:extLst>
+  </p:cSld>
+  <p:clrMapOvr>
+    <a:masterClrMapping/>
+  </p:clrMapOvr>
+</p:sld>
+</file>
+
+<file path=ppt/slides/slide7.xml><?xml version="1.0" encoding="utf-8"?>
+<p:sld xmlns:a="http://schemas.openxmlformats.org/drawingml/2006/main" xmlns:r="http://schemas.openxmlformats.org/officeDocument/2006/relationships" xmlns:p="http://schemas.openxmlformats.org/presentationml/2006/main">
+  <p:cSld>
+    <p:spTree>
+      <p:nvGrpSpPr>
+        <p:cNvPr id="1" name=""/>
+        <p:cNvGrpSpPr/>
+        <p:nvPr/>
+      </p:nvGrpSpPr>
+      <p:grpSpPr>
+        <a:xfrm>
+          <a:off x="0" y="0"/>
+          <a:ext cx="0" cy="0"/>
+          <a:chOff x="0" y="0"/>
+          <a:chExt cx="0" cy="0"/>
+        </a:xfrm>
+      </p:grpSpPr>
+      <p:sp>
+        <p:nvSpPr>
+          <p:cNvPr id="2" name="Title 1">
+            <a:extLst>
+              <a:ext uri="{FF2B5EF4-FFF2-40B4-BE49-F238E27FC236}">
+                <a16:creationId xmlns:a16="http://schemas.microsoft.com/office/drawing/2014/main" id="{AFC422B7-FFBC-4E42-B744-4EF2A4ADC802}"/>
+              </a:ext>
+            </a:extLst>
+          </p:cNvPr>
+          <p:cNvSpPr>
+            <a:spLocks noGrp="1"/>
+          </p:cNvSpPr>
+          <p:nvPr>
+            <p:ph type="title"/>
+          </p:nvPr>
+        </p:nvSpPr>
+        <p:spPr/>
+        <p:txBody>
+          <a:bodyPr/>
+          <a:lstStyle/>
+          <a:p>
+            <a:r>
+              <a:rPr lang="en-US" dirty="0"/>
+              <a:t>Data JPA</a:t>
+            </a:r>
+          </a:p>
+        </p:txBody>
+      </p:sp>
+      <p:sp>
+        <p:nvSpPr>
+          <p:cNvPr id="3" name="Content Placeholder 2">
+            <a:extLst>
+              <a:ext uri="{FF2B5EF4-FFF2-40B4-BE49-F238E27FC236}">
+                <a16:creationId xmlns:a16="http://schemas.microsoft.com/office/drawing/2014/main" id="{078B9D68-0F70-4415-B02B-131DB5824F36}"/>
+              </a:ext>
+            </a:extLst>
+          </p:cNvPr>
+          <p:cNvSpPr>
+            <a:spLocks noGrp="1"/>
+          </p:cNvSpPr>
+          <p:nvPr>
+            <p:ph idx="1"/>
+          </p:nvPr>
+        </p:nvSpPr>
+        <p:spPr/>
+        <p:txBody>
+          <a:bodyPr/>
+          <a:lstStyle/>
+          <a:p>
+            <a:r>
+              <a:rPr lang="en-US" dirty="0" err="1"/>
+              <a:t>JPArepository</a:t>
+            </a:r>
+            <a:endParaRPr lang="en-US" dirty="0"/>
+          </a:p>
+          <a:p>
+            <a:r>
+              <a:rPr lang="en-US" dirty="0"/>
+              <a:t>DAO </a:t>
+            </a:r>
+            <a:r>
+              <a:rPr lang="en-US" dirty="0" err="1"/>
+              <a:t>imple</a:t>
+            </a:r>
+            <a:r>
+              <a:rPr lang="en-US" dirty="0"/>
+              <a:t> </a:t>
+            </a:r>
+            <a:r>
+              <a:rPr lang="en-US" dirty="0">
+                <a:sym typeface="Wingdings" panose="05000000000000000000" pitchFamily="2" charset="2"/>
+              </a:rPr>
+              <a:t> not needed</a:t>
+            </a:r>
+          </a:p>
+          <a:p>
+            <a:endParaRPr lang="en-US" dirty="0"/>
+          </a:p>
+        </p:txBody>
+      </p:sp>
+    </p:spTree>
+    <p:extLst>
+      <p:ext uri="{BB962C8B-B14F-4D97-AF65-F5344CB8AC3E}">
+        <p14:creationId xmlns:p14="http://schemas.microsoft.com/office/powerpoint/2010/main" val="2154647703"/>
+      </p:ext>
+    </p:extLst>
+  </p:cSld>
+  <p:clrMapOvr>
+    <a:masterClrMapping/>
+  </p:clrMapOvr>
+</p:sld>
+</file>
+
+<file path=ppt/slides/slide8.xml><?xml version="1.0" encoding="utf-8"?>
+<p:sld xmlns:a="http://schemas.openxmlformats.org/drawingml/2006/main" xmlns:r="http://schemas.openxmlformats.org/officeDocument/2006/relationships" xmlns:p="http://schemas.openxmlformats.org/presentationml/2006/main">
+  <p:cSld>
+    <p:spTree>
+      <p:nvGrpSpPr>
+        <p:cNvPr id="1" name=""/>
+        <p:cNvGrpSpPr/>
+        <p:nvPr/>
+      </p:nvGrpSpPr>
+      <p:grpSpPr>
+        <a:xfrm>
+          <a:off x="0" y="0"/>
+          <a:ext cx="0" cy="0"/>
+          <a:chOff x="0" y="0"/>
+          <a:chExt cx="0" cy="0"/>
+        </a:xfrm>
+      </p:grpSpPr>
+      <p:sp>
+        <p:nvSpPr>
+          <p:cNvPr id="2" name="Title 1">
+            <a:extLst>
+              <a:ext uri="{FF2B5EF4-FFF2-40B4-BE49-F238E27FC236}">
+                <a16:creationId xmlns:a16="http://schemas.microsoft.com/office/drawing/2014/main" id="{88B3469B-0797-43A0-9161-D3CFAE9A036F}"/>
+              </a:ext>
+            </a:extLst>
+          </p:cNvPr>
+          <p:cNvSpPr>
+            <a:spLocks noGrp="1"/>
+          </p:cNvSpPr>
+          <p:nvPr>
+            <p:ph type="title"/>
+          </p:nvPr>
+        </p:nvSpPr>
+        <p:spPr/>
+        <p:txBody>
+          <a:bodyPr/>
+          <a:lstStyle/>
+          <a:p>
+            <a:endParaRPr lang="en-US" dirty="0"/>
+          </a:p>
+        </p:txBody>
+      </p:sp>
+      <p:sp>
+        <p:nvSpPr>
+          <p:cNvPr id="3" name="Content Placeholder 2">
+            <a:extLst>
+              <a:ext uri="{FF2B5EF4-FFF2-40B4-BE49-F238E27FC236}">
+                <a16:creationId xmlns:a16="http://schemas.microsoft.com/office/drawing/2014/main" id="{9C0F10C0-A845-4CED-ADF1-50BC1FFDF9E5}"/>
+              </a:ext>
+            </a:extLst>
+          </p:cNvPr>
+          <p:cNvSpPr>
+            <a:spLocks noGrp="1"/>
+          </p:cNvSpPr>
+          <p:nvPr>
+            <p:ph idx="1"/>
+          </p:nvPr>
+        </p:nvSpPr>
+        <p:spPr/>
+        <p:txBody>
+          <a:bodyPr/>
+          <a:lstStyle/>
+          <a:p>
+            <a:endParaRPr lang="en-US"/>
+          </a:p>
+        </p:txBody>
+      </p:sp>
+    </p:spTree>
+    <p:extLst>
+      <p:ext uri="{BB962C8B-B14F-4D97-AF65-F5344CB8AC3E}">
+        <p14:creationId xmlns:p14="http://schemas.microsoft.com/office/powerpoint/2010/main" val="2573166804"/>
       </p:ext>
     </p:extLst>
   </p:cSld>
